--- a/talks/src/class06.pptx
+++ b/talks/src/class06.pptx
@@ -128,6 +128,11 @@
       </a:defRPr>
     </a:lvl9pPr>
   </p:defaultTextStyle>
+  <p:extLst>
+    <p:ext uri="{EFAFB233-063F-42B5-8137-9DF3F51BA10A}">
+      <p15:sldGuideLst xmlns:p15="http://schemas.microsoft.com/office/powerpoint/2012/main"/>
+    </p:ext>
+  </p:extLst>
 </p:presentation>
 </file>
 
@@ -213,7 +218,7 @@
           <a:p>
             <a:fld id="{0D0D5F6C-FBA3-9241-B8B2-B12256CD9D3B}" type="datetimeFigureOut">
               <a:rPr lang="ru-RU" smtClean="0"/>
-              <a:t>11.11.2018</a:t>
+              <a:t>30.10.2022</a:t>
             </a:fld>
             <a:endParaRPr lang="ru-RU"/>
           </a:p>
@@ -2962,7 +2967,7 @@
           <a:p>
             <a:fld id="{98B1E46B-A091-1A41-AEA5-9119026F30DB}" type="datetimeFigureOut">
               <a:rPr lang="ru-RU" smtClean="0"/>
-              <a:t>11.11.2018</a:t>
+              <a:t>30.10.2022</a:t>
             </a:fld>
             <a:endParaRPr lang="ru-RU"/>
           </a:p>
@@ -3162,7 +3167,7 @@
           <a:p>
             <a:fld id="{98B1E46B-A091-1A41-AEA5-9119026F30DB}" type="datetimeFigureOut">
               <a:rPr lang="ru-RU" smtClean="0"/>
-              <a:t>11.11.2018</a:t>
+              <a:t>30.10.2022</a:t>
             </a:fld>
             <a:endParaRPr lang="ru-RU"/>
           </a:p>
@@ -3372,7 +3377,7 @@
           <a:p>
             <a:fld id="{98B1E46B-A091-1A41-AEA5-9119026F30DB}" type="datetimeFigureOut">
               <a:rPr lang="ru-RU" smtClean="0"/>
-              <a:t>11.11.2018</a:t>
+              <a:t>30.10.2022</a:t>
             </a:fld>
             <a:endParaRPr lang="ru-RU"/>
           </a:p>
@@ -3572,7 +3577,7 @@
           <a:p>
             <a:fld id="{98B1E46B-A091-1A41-AEA5-9119026F30DB}" type="datetimeFigureOut">
               <a:rPr lang="ru-RU" smtClean="0"/>
-              <a:t>11.11.2018</a:t>
+              <a:t>30.10.2022</a:t>
             </a:fld>
             <a:endParaRPr lang="ru-RU"/>
           </a:p>
@@ -3848,7 +3853,7 @@
           <a:p>
             <a:fld id="{98B1E46B-A091-1A41-AEA5-9119026F30DB}" type="datetimeFigureOut">
               <a:rPr lang="ru-RU" smtClean="0"/>
-              <a:t>11.11.2018</a:t>
+              <a:t>30.10.2022</a:t>
             </a:fld>
             <a:endParaRPr lang="ru-RU"/>
           </a:p>
@@ -4116,7 +4121,7 @@
           <a:p>
             <a:fld id="{98B1E46B-A091-1A41-AEA5-9119026F30DB}" type="datetimeFigureOut">
               <a:rPr lang="ru-RU" smtClean="0"/>
-              <a:t>11.11.2018</a:t>
+              <a:t>30.10.2022</a:t>
             </a:fld>
             <a:endParaRPr lang="ru-RU"/>
           </a:p>
@@ -4531,7 +4536,7 @@
           <a:p>
             <a:fld id="{98B1E46B-A091-1A41-AEA5-9119026F30DB}" type="datetimeFigureOut">
               <a:rPr lang="ru-RU" smtClean="0"/>
-              <a:t>11.11.2018</a:t>
+              <a:t>30.10.2022</a:t>
             </a:fld>
             <a:endParaRPr lang="ru-RU"/>
           </a:p>
@@ -4673,7 +4678,7 @@
           <a:p>
             <a:fld id="{98B1E46B-A091-1A41-AEA5-9119026F30DB}" type="datetimeFigureOut">
               <a:rPr lang="ru-RU" smtClean="0"/>
-              <a:t>11.11.2018</a:t>
+              <a:t>30.10.2022</a:t>
             </a:fld>
             <a:endParaRPr lang="ru-RU"/>
           </a:p>
@@ -4786,7 +4791,7 @@
           <a:p>
             <a:fld id="{98B1E46B-A091-1A41-AEA5-9119026F30DB}" type="datetimeFigureOut">
               <a:rPr lang="ru-RU" smtClean="0"/>
-              <a:t>11.11.2018</a:t>
+              <a:t>30.10.2022</a:t>
             </a:fld>
             <a:endParaRPr lang="ru-RU"/>
           </a:p>
@@ -5099,7 +5104,7 @@
           <a:p>
             <a:fld id="{98B1E46B-A091-1A41-AEA5-9119026F30DB}" type="datetimeFigureOut">
               <a:rPr lang="ru-RU" smtClean="0"/>
-              <a:t>11.11.2018</a:t>
+              <a:t>30.10.2022</a:t>
             </a:fld>
             <a:endParaRPr lang="ru-RU"/>
           </a:p>
@@ -5388,7 +5393,7 @@
           <a:p>
             <a:fld id="{98B1E46B-A091-1A41-AEA5-9119026F30DB}" type="datetimeFigureOut">
               <a:rPr lang="ru-RU" smtClean="0"/>
-              <a:t>11.11.2018</a:t>
+              <a:t>30.10.2022</a:t>
             </a:fld>
             <a:endParaRPr lang="ru-RU"/>
           </a:p>
@@ -5631,7 +5636,7 @@
           <a:p>
             <a:fld id="{98B1E46B-A091-1A41-AEA5-9119026F30DB}" type="datetimeFigureOut">
               <a:rPr lang="ru-RU" smtClean="0"/>
-              <a:t>11.11.2018</a:t>
+              <a:t>30.10.2022</a:t>
             </a:fld>
             <a:endParaRPr lang="ru-RU"/>
           </a:p>
@@ -6054,9 +6059,7 @@
           <p:cNvGraphicFramePr>
             <a:graphicFrameLocks noGrp="1"/>
           </p:cNvGraphicFramePr>
-          <p:nvPr>
-            <p:extLst/>
-          </p:nvPr>
+          <p:nvPr/>
         </p:nvGraphicFramePr>
         <p:xfrm>
           <a:off x="0" y="1"/>
@@ -6105,7 +6108,11 @@
             <a:graphicFrameLocks noGrp="1"/>
           </p:cNvGraphicFramePr>
           <p:nvPr>
-            <p:extLst/>
+            <p:extLst>
+              <p:ext uri="{D42A27DB-BD31-4B8C-83A1-F6EECF244321}">
+                <p14:modId xmlns:p14="http://schemas.microsoft.com/office/powerpoint/2010/main" val="3536479464"/>
+              </p:ext>
+            </p:extLst>
           </p:nvPr>
         </p:nvGraphicFramePr>
         <p:xfrm>
@@ -6133,14 +6140,7 @@
                     <a:bodyPr/>
                     <a:lstStyle/>
                     <a:p>
-                      <a:r>
-                        <a:rPr lang="en-US" dirty="0"/>
-                        <a:t>Acronis @ </a:t>
-                      </a:r>
-                      <a:r>
-                        <a:rPr lang="ru-RU" dirty="0"/>
-                        <a:t>МФТИ</a:t>
-                      </a:r>
+                      <a:endParaRPr lang="ru-RU" dirty="0"/>
                     </a:p>
                   </a:txBody>
                   <a:tcPr/>
@@ -6280,7 +6280,7 @@
 </file>
 
 <file path=ppt/slides/slide10.xml><?xml version="1.0" encoding="utf-8"?>
-<p:sld xmlns:a="http://schemas.openxmlformats.org/drawingml/2006/main" xmlns:r="http://schemas.openxmlformats.org/officeDocument/2006/relationships" xmlns:p="http://schemas.openxmlformats.org/presentationml/2006/main">
+<p:sld xmlns:a="http://schemas.openxmlformats.org/drawingml/2006/main" xmlns:r="http://schemas.openxmlformats.org/officeDocument/2006/relationships" xmlns:p="http://schemas.openxmlformats.org/presentationml/2006/main" show="0">
   <p:cSld>
     <p:spTree>
       <p:nvGrpSpPr>
@@ -6302,9 +6302,7 @@
           <p:cNvGraphicFramePr>
             <a:graphicFrameLocks noGrp="1"/>
           </p:cNvGraphicFramePr>
-          <p:nvPr>
-            <p:extLst/>
-          </p:nvPr>
+          <p:nvPr/>
         </p:nvGraphicFramePr>
         <p:xfrm>
           <a:off x="0" y="1"/>
@@ -6360,9 +6358,7 @@
           <p:cNvGraphicFramePr>
             <a:graphicFrameLocks noGrp="1"/>
           </p:cNvGraphicFramePr>
-          <p:nvPr>
-            <p:extLst/>
-          </p:nvPr>
+          <p:nvPr/>
         </p:nvGraphicFramePr>
         <p:xfrm>
           <a:off x="0" y="6532604"/>
@@ -6419,9 +6415,7 @@
               <p:cNvGraphicFramePr>
                 <a:graphicFrameLocks noGrp="1"/>
               </p:cNvGraphicFramePr>
-              <p:nvPr>
-                <p:extLst/>
-              </p:nvPr>
+              <p:nvPr/>
             </p:nvGraphicFramePr>
             <p:xfrm>
               <a:off x="0" y="365761"/>
@@ -6987,7 +6981,7 @@
 </file>
 
 <file path=ppt/slides/slide11.xml><?xml version="1.0" encoding="utf-8"?>
-<p:sld xmlns:a="http://schemas.openxmlformats.org/drawingml/2006/main" xmlns:r="http://schemas.openxmlformats.org/officeDocument/2006/relationships" xmlns:p="http://schemas.openxmlformats.org/presentationml/2006/main">
+<p:sld xmlns:a="http://schemas.openxmlformats.org/drawingml/2006/main" xmlns:r="http://schemas.openxmlformats.org/officeDocument/2006/relationships" xmlns:p="http://schemas.openxmlformats.org/presentationml/2006/main" show="0">
   <p:cSld>
     <p:spTree>
       <p:nvGrpSpPr>
@@ -7009,9 +7003,7 @@
           <p:cNvGraphicFramePr>
             <a:graphicFrameLocks noGrp="1"/>
           </p:cNvGraphicFramePr>
-          <p:nvPr>
-            <p:extLst/>
-          </p:nvPr>
+          <p:nvPr/>
         </p:nvGraphicFramePr>
         <p:xfrm>
           <a:off x="0" y="1"/>
@@ -7067,9 +7059,7 @@
           <p:cNvGraphicFramePr>
             <a:graphicFrameLocks noGrp="1"/>
           </p:cNvGraphicFramePr>
-          <p:nvPr>
-            <p:extLst/>
-          </p:nvPr>
+          <p:nvPr/>
         </p:nvGraphicFramePr>
         <p:xfrm>
           <a:off x="0" y="6532604"/>
@@ -7118,8 +7108,8 @@
           </a:graphicData>
         </a:graphic>
       </p:graphicFrame>
-      <mc:AlternateContent xmlns:mc="http://schemas.openxmlformats.org/markup-compatibility/2006">
-        <mc:Choice xmlns:a14="http://schemas.microsoft.com/office/drawing/2010/main" Requires="a14">
+      <mc:AlternateContent xmlns:mc="http://schemas.openxmlformats.org/markup-compatibility/2006" xmlns:a14="http://schemas.microsoft.com/office/drawing/2010/main">
+        <mc:Choice Requires="a14">
           <p:graphicFrame>
             <p:nvGraphicFramePr>
               <p:cNvPr id="2" name="Table 1"/>
@@ -7481,7 +7471,7 @@
             </a:graphic>
           </p:graphicFrame>
         </mc:Choice>
-        <mc:Fallback>
+        <mc:Fallback xmlns="">
           <p:graphicFrame>
             <p:nvGraphicFramePr>
               <p:cNvPr id="2" name="Table 1"/>
@@ -7804,7 +7794,7 @@
 </file>
 
 <file path=ppt/slides/slide12.xml><?xml version="1.0" encoding="utf-8"?>
-<p:sld xmlns:a="http://schemas.openxmlformats.org/drawingml/2006/main" xmlns:r="http://schemas.openxmlformats.org/officeDocument/2006/relationships" xmlns:p="http://schemas.openxmlformats.org/presentationml/2006/main">
+<p:sld xmlns:a="http://schemas.openxmlformats.org/drawingml/2006/main" xmlns:r="http://schemas.openxmlformats.org/officeDocument/2006/relationships" xmlns:p="http://schemas.openxmlformats.org/presentationml/2006/main" show="0">
   <p:cSld>
     <p:spTree>
       <p:nvGrpSpPr>
@@ -7826,9 +7816,7 @@
           <p:cNvGraphicFramePr>
             <a:graphicFrameLocks noGrp="1"/>
           </p:cNvGraphicFramePr>
-          <p:nvPr>
-            <p:extLst/>
-          </p:nvPr>
+          <p:nvPr/>
         </p:nvGraphicFramePr>
         <p:xfrm>
           <a:off x="0" y="1"/>
@@ -7884,9 +7872,7 @@
           <p:cNvGraphicFramePr>
             <a:graphicFrameLocks noGrp="1"/>
           </p:cNvGraphicFramePr>
-          <p:nvPr>
-            <p:extLst/>
-          </p:nvPr>
+          <p:nvPr/>
         </p:nvGraphicFramePr>
         <p:xfrm>
           <a:off x="0" y="6532604"/>
@@ -7935,8 +7921,8 @@
           </a:graphicData>
         </a:graphic>
       </p:graphicFrame>
-      <mc:AlternateContent xmlns:mc="http://schemas.openxmlformats.org/markup-compatibility/2006">
-        <mc:Choice xmlns:a14="http://schemas.microsoft.com/office/drawing/2010/main" Requires="a14">
+      <mc:AlternateContent xmlns:mc="http://schemas.openxmlformats.org/markup-compatibility/2006" xmlns:a14="http://schemas.microsoft.com/office/drawing/2010/main">
+        <mc:Choice Requires="a14">
           <p:graphicFrame>
             <p:nvGraphicFramePr>
               <p:cNvPr id="2" name="Table 1"/>
@@ -8381,7 +8367,7 @@
             </a:graphic>
           </p:graphicFrame>
         </mc:Choice>
-        <mc:Fallback>
+        <mc:Fallback xmlns="">
           <p:graphicFrame>
             <p:nvGraphicFramePr>
               <p:cNvPr id="2" name="Table 1"/>
@@ -8505,9 +8491,7 @@
           <p:cNvGraphicFramePr>
             <a:graphicFrameLocks noGrp="1"/>
           </p:cNvGraphicFramePr>
-          <p:nvPr>
-            <p:extLst/>
-          </p:nvPr>
+          <p:nvPr/>
         </p:nvGraphicFramePr>
         <p:xfrm>
           <a:off x="0" y="1"/>
@@ -8564,7 +8548,11 @@
             <a:graphicFrameLocks noGrp="1"/>
           </p:cNvGraphicFramePr>
           <p:nvPr>
-            <p:extLst/>
+            <p:extLst>
+              <p:ext uri="{D42A27DB-BD31-4B8C-83A1-F6EECF244321}">
+                <p14:modId xmlns:p14="http://schemas.microsoft.com/office/powerpoint/2010/main" val="756266824"/>
+              </p:ext>
+            </p:extLst>
           </p:nvPr>
         </p:nvGraphicFramePr>
         <p:xfrm>
@@ -8592,14 +8580,7 @@
                     <a:bodyPr/>
                     <a:lstStyle/>
                     <a:p>
-                      <a:r>
-                        <a:rPr lang="en-US" dirty="0"/>
-                        <a:t>Acronis @ </a:t>
-                      </a:r>
-                      <a:r>
-                        <a:rPr lang="ru-RU" dirty="0"/>
-                        <a:t>МФТИ</a:t>
-                      </a:r>
+                      <a:endParaRPr lang="ru-RU" dirty="0"/>
                     </a:p>
                   </a:txBody>
                   <a:tcPr/>
@@ -9351,9 +9332,7 @@
           <p:cNvGraphicFramePr>
             <a:graphicFrameLocks noGrp="1"/>
           </p:cNvGraphicFramePr>
-          <p:nvPr>
-            <p:extLst/>
-          </p:nvPr>
+          <p:nvPr/>
         </p:nvGraphicFramePr>
         <p:xfrm>
           <a:off x="0" y="1"/>
@@ -9410,7 +9389,11 @@
             <a:graphicFrameLocks noGrp="1"/>
           </p:cNvGraphicFramePr>
           <p:nvPr>
-            <p:extLst/>
+            <p:extLst>
+              <p:ext uri="{D42A27DB-BD31-4B8C-83A1-F6EECF244321}">
+                <p14:modId xmlns:p14="http://schemas.microsoft.com/office/powerpoint/2010/main" val="3591142413"/>
+              </p:ext>
+            </p:extLst>
           </p:nvPr>
         </p:nvGraphicFramePr>
         <p:xfrm>
@@ -9438,14 +9421,7 @@
                     <a:bodyPr/>
                     <a:lstStyle/>
                     <a:p>
-                      <a:r>
-                        <a:rPr lang="en-US" dirty="0"/>
-                        <a:t>Acronis @ </a:t>
-                      </a:r>
-                      <a:r>
-                        <a:rPr lang="ru-RU" dirty="0"/>
-                        <a:t>МФТИ</a:t>
-                      </a:r>
+                      <a:endParaRPr lang="ru-RU" dirty="0"/>
                     </a:p>
                   </a:txBody>
                   <a:tcPr/>
@@ -9466,9 +9442,7 @@
           <p:cNvGraphicFramePr>
             <a:graphicFrameLocks noGrp="1"/>
           </p:cNvGraphicFramePr>
-          <p:nvPr>
-            <p:extLst/>
-          </p:nvPr>
+          <p:nvPr/>
         </p:nvGraphicFramePr>
         <p:xfrm>
           <a:off x="0" y="365761"/>
@@ -9920,9 +9894,7 @@
           <p:cNvGraphicFramePr>
             <a:graphicFrameLocks noGrp="1"/>
           </p:cNvGraphicFramePr>
-          <p:nvPr>
-            <p:extLst/>
-          </p:nvPr>
+          <p:nvPr/>
         </p:nvGraphicFramePr>
         <p:xfrm>
           <a:off x="0" y="1"/>
@@ -9979,7 +9951,11 @@
             <a:graphicFrameLocks noGrp="1"/>
           </p:cNvGraphicFramePr>
           <p:nvPr>
-            <p:extLst/>
+            <p:extLst>
+              <p:ext uri="{D42A27DB-BD31-4B8C-83A1-F6EECF244321}">
+                <p14:modId xmlns:p14="http://schemas.microsoft.com/office/powerpoint/2010/main" val="2354311982"/>
+              </p:ext>
+            </p:extLst>
           </p:nvPr>
         </p:nvGraphicFramePr>
         <p:xfrm>
@@ -10007,14 +9983,7 @@
                     <a:bodyPr/>
                     <a:lstStyle/>
                     <a:p>
-                      <a:r>
-                        <a:rPr lang="en-US" dirty="0"/>
-                        <a:t>Acronis @ </a:t>
-                      </a:r>
-                      <a:r>
-                        <a:rPr lang="ru-RU" dirty="0"/>
-                        <a:t>МФТИ</a:t>
-                      </a:r>
+                      <a:endParaRPr lang="ru-RU" dirty="0"/>
                     </a:p>
                   </a:txBody>
                   <a:tcPr/>
@@ -10035,9 +10004,7 @@
           <p:cNvGraphicFramePr>
             <a:graphicFrameLocks noGrp="1"/>
           </p:cNvGraphicFramePr>
-          <p:nvPr>
-            <p:extLst/>
-          </p:nvPr>
+          <p:nvPr/>
         </p:nvGraphicFramePr>
         <p:xfrm>
           <a:off x="0" y="365761"/>
@@ -10164,9 +10131,7 @@
           <p:cNvGraphicFramePr>
             <a:graphicFrameLocks noGrp="1"/>
           </p:cNvGraphicFramePr>
-          <p:nvPr>
-            <p:extLst/>
-          </p:nvPr>
+          <p:nvPr/>
         </p:nvGraphicFramePr>
         <p:xfrm>
           <a:off x="0" y="1"/>
@@ -10223,7 +10188,11 @@
             <a:graphicFrameLocks noGrp="1"/>
           </p:cNvGraphicFramePr>
           <p:nvPr>
-            <p:extLst/>
+            <p:extLst>
+              <p:ext uri="{D42A27DB-BD31-4B8C-83A1-F6EECF244321}">
+                <p14:modId xmlns:p14="http://schemas.microsoft.com/office/powerpoint/2010/main" val="3296340432"/>
+              </p:ext>
+            </p:extLst>
           </p:nvPr>
         </p:nvGraphicFramePr>
         <p:xfrm>
@@ -10251,14 +10220,7 @@
                     <a:bodyPr/>
                     <a:lstStyle/>
                     <a:p>
-                      <a:r>
-                        <a:rPr lang="en-US" dirty="0"/>
-                        <a:t>Acronis @ </a:t>
-                      </a:r>
-                      <a:r>
-                        <a:rPr lang="ru-RU" dirty="0"/>
-                        <a:t>МФТИ</a:t>
-                      </a:r>
+                      <a:endParaRPr lang="ru-RU" dirty="0"/>
                     </a:p>
                   </a:txBody>
                   <a:tcPr/>
@@ -10273,8 +10235,8 @@
           </a:graphicData>
         </a:graphic>
       </p:graphicFrame>
-      <mc:AlternateContent xmlns:mc="http://schemas.openxmlformats.org/markup-compatibility/2006">
-        <mc:Choice xmlns:a14="http://schemas.microsoft.com/office/drawing/2010/main" Requires="a14">
+      <mc:AlternateContent xmlns:mc="http://schemas.openxmlformats.org/markup-compatibility/2006" xmlns:a14="http://schemas.microsoft.com/office/drawing/2010/main">
+        <mc:Choice Requires="a14">
           <p:graphicFrame>
             <p:nvGraphicFramePr>
               <p:cNvPr id="2" name="Table 1"/>
@@ -10596,7 +10558,7 @@
             </a:graphic>
           </p:graphicFrame>
         </mc:Choice>
-        <mc:Fallback>
+        <mc:Fallback xmlns="">
           <p:graphicFrame>
             <p:nvGraphicFramePr>
               <p:cNvPr id="2" name="Table 1"/>
@@ -10762,9 +10724,7 @@
           <p:cNvGraphicFramePr>
             <a:graphicFrameLocks noGrp="1"/>
           </p:cNvGraphicFramePr>
-          <p:nvPr>
-            <p:extLst/>
-          </p:nvPr>
+          <p:nvPr/>
         </p:nvGraphicFramePr>
         <p:xfrm>
           <a:off x="0" y="1"/>
@@ -10821,7 +10781,11 @@
             <a:graphicFrameLocks noGrp="1"/>
           </p:cNvGraphicFramePr>
           <p:nvPr>
-            <p:extLst/>
+            <p:extLst>
+              <p:ext uri="{D42A27DB-BD31-4B8C-83A1-F6EECF244321}">
+                <p14:modId xmlns:p14="http://schemas.microsoft.com/office/powerpoint/2010/main" val="988617183"/>
+              </p:ext>
+            </p:extLst>
           </p:nvPr>
         </p:nvGraphicFramePr>
         <p:xfrm>
@@ -10849,14 +10813,7 @@
                     <a:bodyPr/>
                     <a:lstStyle/>
                     <a:p>
-                      <a:r>
-                        <a:rPr lang="en-US" dirty="0"/>
-                        <a:t>Acronis @ </a:t>
-                      </a:r>
-                      <a:r>
-                        <a:rPr lang="ru-RU" dirty="0"/>
-                        <a:t>МФТИ</a:t>
-                      </a:r>
+                      <a:endParaRPr lang="ru-RU" dirty="0"/>
                     </a:p>
                   </a:txBody>
                   <a:tcPr/>
@@ -10871,8 +10828,8 @@
           </a:graphicData>
         </a:graphic>
       </p:graphicFrame>
-      <mc:AlternateContent xmlns:mc="http://schemas.openxmlformats.org/markup-compatibility/2006">
-        <mc:Choice xmlns:a14="http://schemas.microsoft.com/office/drawing/2010/main" Requires="a14">
+      <mc:AlternateContent xmlns:mc="http://schemas.openxmlformats.org/markup-compatibility/2006" xmlns:a14="http://schemas.microsoft.com/office/drawing/2010/main">
+        <mc:Choice Requires="a14">
           <p:graphicFrame>
             <p:nvGraphicFramePr>
               <p:cNvPr id="2" name="Table 1"/>
@@ -11451,7 +11408,7 @@
             </a:graphic>
           </p:graphicFrame>
         </mc:Choice>
-        <mc:Fallback>
+        <mc:Fallback xmlns="">
           <p:graphicFrame>
             <p:nvGraphicFramePr>
               <p:cNvPr id="2" name="Table 1"/>
@@ -11678,9 +11635,7 @@
           <p:cNvGraphicFramePr>
             <a:graphicFrameLocks noGrp="1"/>
           </p:cNvGraphicFramePr>
-          <p:nvPr>
-            <p:extLst/>
-          </p:nvPr>
+          <p:nvPr/>
         </p:nvGraphicFramePr>
         <p:xfrm>
           <a:off x="0" y="1"/>
@@ -11737,7 +11692,11 @@
             <a:graphicFrameLocks noGrp="1"/>
           </p:cNvGraphicFramePr>
           <p:nvPr>
-            <p:extLst/>
+            <p:extLst>
+              <p:ext uri="{D42A27DB-BD31-4B8C-83A1-F6EECF244321}">
+                <p14:modId xmlns:p14="http://schemas.microsoft.com/office/powerpoint/2010/main" val="804275907"/>
+              </p:ext>
+            </p:extLst>
           </p:nvPr>
         </p:nvGraphicFramePr>
         <p:xfrm>
@@ -11765,14 +11724,7 @@
                     <a:bodyPr/>
                     <a:lstStyle/>
                     <a:p>
-                      <a:r>
-                        <a:rPr lang="en-US" dirty="0"/>
-                        <a:t>Acronis @ </a:t>
-                      </a:r>
-                      <a:r>
-                        <a:rPr lang="ru-RU" dirty="0"/>
-                        <a:t>МФТИ</a:t>
-                      </a:r>
+                      <a:endParaRPr lang="ru-RU" dirty="0"/>
                     </a:p>
                   </a:txBody>
                   <a:tcPr/>
@@ -11793,9 +11745,7 @@
           <p:cNvGraphicFramePr>
             <a:graphicFrameLocks noGrp="1"/>
           </p:cNvGraphicFramePr>
-          <p:nvPr>
-            <p:extLst/>
-          </p:nvPr>
+          <p:nvPr/>
         </p:nvGraphicFramePr>
         <p:xfrm>
           <a:off x="0" y="365761"/>
@@ -11950,9 +11900,7 @@
           <p:cNvGraphicFramePr>
             <a:graphicFrameLocks noGrp="1"/>
           </p:cNvGraphicFramePr>
-          <p:nvPr>
-            <p:extLst/>
-          </p:nvPr>
+          <p:nvPr/>
         </p:nvGraphicFramePr>
         <p:xfrm>
           <a:off x="0" y="1"/>
@@ -12009,7 +11957,11 @@
             <a:graphicFrameLocks noGrp="1"/>
           </p:cNvGraphicFramePr>
           <p:nvPr>
-            <p:extLst/>
+            <p:extLst>
+              <p:ext uri="{D42A27DB-BD31-4B8C-83A1-F6EECF244321}">
+                <p14:modId xmlns:p14="http://schemas.microsoft.com/office/powerpoint/2010/main" val="1800709827"/>
+              </p:ext>
+            </p:extLst>
           </p:nvPr>
         </p:nvGraphicFramePr>
         <p:xfrm>
@@ -12037,14 +11989,7 @@
                     <a:bodyPr/>
                     <a:lstStyle/>
                     <a:p>
-                      <a:r>
-                        <a:rPr lang="en-US" dirty="0"/>
-                        <a:t>Acronis @ </a:t>
-                      </a:r>
-                      <a:r>
-                        <a:rPr lang="ru-RU" dirty="0"/>
-                        <a:t>МФТИ</a:t>
-                      </a:r>
+                      <a:endParaRPr lang="ru-RU" dirty="0"/>
                     </a:p>
                   </a:txBody>
                   <a:tcPr/>
@@ -12280,9 +12225,7 @@
           <p:cNvGraphicFramePr>
             <a:graphicFrameLocks noGrp="1"/>
           </p:cNvGraphicFramePr>
-          <p:nvPr>
-            <p:extLst/>
-          </p:nvPr>
+          <p:nvPr/>
         </p:nvGraphicFramePr>
         <p:xfrm>
           <a:off x="0" y="1"/>
@@ -12339,7 +12282,11 @@
             <a:graphicFrameLocks noGrp="1"/>
           </p:cNvGraphicFramePr>
           <p:nvPr>
-            <p:extLst/>
+            <p:extLst>
+              <p:ext uri="{D42A27DB-BD31-4B8C-83A1-F6EECF244321}">
+                <p14:modId xmlns:p14="http://schemas.microsoft.com/office/powerpoint/2010/main" val="1939048454"/>
+              </p:ext>
+            </p:extLst>
           </p:nvPr>
         </p:nvGraphicFramePr>
         <p:xfrm>
@@ -12367,14 +12314,7 @@
                     <a:bodyPr/>
                     <a:lstStyle/>
                     <a:p>
-                      <a:r>
-                        <a:rPr lang="en-US" dirty="0"/>
-                        <a:t>Acronis @ </a:t>
-                      </a:r>
-                      <a:r>
-                        <a:rPr lang="ru-RU" dirty="0"/>
-                        <a:t>МФТИ</a:t>
-                      </a:r>
+                      <a:endParaRPr lang="ru-RU" dirty="0"/>
                     </a:p>
                   </a:txBody>
                   <a:tcPr/>
@@ -12389,8 +12329,8 @@
           </a:graphicData>
         </a:graphic>
       </p:graphicFrame>
-      <mc:AlternateContent xmlns:mc="http://schemas.openxmlformats.org/markup-compatibility/2006">
-        <mc:Choice xmlns:a14="http://schemas.microsoft.com/office/drawing/2010/main" Requires="a14">
+      <mc:AlternateContent xmlns:mc="http://schemas.openxmlformats.org/markup-compatibility/2006" xmlns:a14="http://schemas.microsoft.com/office/drawing/2010/main">
+        <mc:Choice Requires="a14">
           <p:graphicFrame>
             <p:nvGraphicFramePr>
               <p:cNvPr id="2" name="Table 1"/>
@@ -13055,7 +12995,7 @@
             </a:graphic>
           </p:graphicFrame>
         </mc:Choice>
-        <mc:Fallback>
+        <mc:Fallback xmlns="">
           <p:graphicFrame>
             <p:nvGraphicFramePr>
               <p:cNvPr id="2" name="Table 1"/>
@@ -14149,9 +14089,7 @@
           <p:cNvGraphicFramePr>
             <a:graphicFrameLocks noGrp="1"/>
           </p:cNvGraphicFramePr>
-          <p:nvPr>
-            <p:extLst/>
-          </p:nvPr>
+          <p:nvPr/>
         </p:nvGraphicFramePr>
         <p:xfrm>
           <a:off x="0" y="1"/>
@@ -14208,7 +14146,11 @@
             <a:graphicFrameLocks noGrp="1"/>
           </p:cNvGraphicFramePr>
           <p:nvPr>
-            <p:extLst/>
+            <p:extLst>
+              <p:ext uri="{D42A27DB-BD31-4B8C-83A1-F6EECF244321}">
+                <p14:modId xmlns:p14="http://schemas.microsoft.com/office/powerpoint/2010/main" val="1118975423"/>
+              </p:ext>
+            </p:extLst>
           </p:nvPr>
         </p:nvGraphicFramePr>
         <p:xfrm>
@@ -14236,14 +14178,7 @@
                     <a:bodyPr/>
                     <a:lstStyle/>
                     <a:p>
-                      <a:r>
-                        <a:rPr lang="en-US" dirty="0"/>
-                        <a:t>Acronis @ </a:t>
-                      </a:r>
-                      <a:r>
-                        <a:rPr lang="ru-RU" dirty="0"/>
-                        <a:t>МФТИ</a:t>
-                      </a:r>
+                      <a:endParaRPr lang="ru-RU" dirty="0"/>
                     </a:p>
                   </a:txBody>
                   <a:tcPr/>
@@ -14650,9 +14585,7 @@
           <p:cNvGraphicFramePr>
             <a:graphicFrameLocks noGrp="1"/>
           </p:cNvGraphicFramePr>
-          <p:nvPr>
-            <p:extLst/>
-          </p:nvPr>
+          <p:nvPr/>
         </p:nvGraphicFramePr>
         <p:xfrm>
           <a:off x="0" y="1"/>
@@ -14709,7 +14642,11 @@
             <a:graphicFrameLocks noGrp="1"/>
           </p:cNvGraphicFramePr>
           <p:nvPr>
-            <p:extLst/>
+            <p:extLst>
+              <p:ext uri="{D42A27DB-BD31-4B8C-83A1-F6EECF244321}">
+                <p14:modId xmlns:p14="http://schemas.microsoft.com/office/powerpoint/2010/main" val="1053446056"/>
+              </p:ext>
+            </p:extLst>
           </p:nvPr>
         </p:nvGraphicFramePr>
         <p:xfrm>
@@ -14737,14 +14674,7 @@
                     <a:bodyPr/>
                     <a:lstStyle/>
                     <a:p>
-                      <a:r>
-                        <a:rPr lang="en-US" dirty="0"/>
-                        <a:t>Acronis @ </a:t>
-                      </a:r>
-                      <a:r>
-                        <a:rPr lang="ru-RU" dirty="0"/>
-                        <a:t>МФТИ</a:t>
-                      </a:r>
+                      <a:endParaRPr lang="ru-RU" dirty="0"/>
                     </a:p>
                   </a:txBody>
                   <a:tcPr/>
@@ -15145,9 +15075,7 @@
           <p:cNvGraphicFramePr>
             <a:graphicFrameLocks noGrp="1"/>
           </p:cNvGraphicFramePr>
-          <p:nvPr>
-            <p:extLst/>
-          </p:nvPr>
+          <p:nvPr/>
         </p:nvGraphicFramePr>
         <p:xfrm>
           <a:off x="0" y="1"/>
@@ -15204,7 +15132,11 @@
             <a:graphicFrameLocks noGrp="1"/>
           </p:cNvGraphicFramePr>
           <p:nvPr>
-            <p:extLst/>
+            <p:extLst>
+              <p:ext uri="{D42A27DB-BD31-4B8C-83A1-F6EECF244321}">
+                <p14:modId xmlns:p14="http://schemas.microsoft.com/office/powerpoint/2010/main" val="4141285907"/>
+              </p:ext>
+            </p:extLst>
           </p:nvPr>
         </p:nvGraphicFramePr>
         <p:xfrm>
@@ -15232,14 +15164,7 @@
                     <a:bodyPr/>
                     <a:lstStyle/>
                     <a:p>
-                      <a:r>
-                        <a:rPr lang="en-US" dirty="0"/>
-                        <a:t>Acronis @ </a:t>
-                      </a:r>
-                      <a:r>
-                        <a:rPr lang="ru-RU" dirty="0"/>
-                        <a:t>МФТИ</a:t>
-                      </a:r>
+                      <a:endParaRPr lang="ru-RU" dirty="0"/>
                     </a:p>
                   </a:txBody>
                   <a:tcPr/>
@@ -15632,9 +15557,7 @@
           <p:cNvGraphicFramePr>
             <a:graphicFrameLocks noGrp="1"/>
           </p:cNvGraphicFramePr>
-          <p:nvPr>
-            <p:extLst/>
-          </p:nvPr>
+          <p:nvPr/>
         </p:nvGraphicFramePr>
         <p:xfrm>
           <a:off x="0" y="1"/>
@@ -15691,7 +15614,11 @@
             <a:graphicFrameLocks noGrp="1"/>
           </p:cNvGraphicFramePr>
           <p:nvPr>
-            <p:extLst/>
+            <p:extLst>
+              <p:ext uri="{D42A27DB-BD31-4B8C-83A1-F6EECF244321}">
+                <p14:modId xmlns:p14="http://schemas.microsoft.com/office/powerpoint/2010/main" val="37753568"/>
+              </p:ext>
+            </p:extLst>
           </p:nvPr>
         </p:nvGraphicFramePr>
         <p:xfrm>
@@ -15719,14 +15646,7 @@
                     <a:bodyPr/>
                     <a:lstStyle/>
                     <a:p>
-                      <a:r>
-                        <a:rPr lang="en-US" dirty="0"/>
-                        <a:t>Acronis @ </a:t>
-                      </a:r>
-                      <a:r>
-                        <a:rPr lang="ru-RU" dirty="0"/>
-                        <a:t>МФТИ</a:t>
-                      </a:r>
+                      <a:endParaRPr lang="ru-RU" dirty="0"/>
                     </a:p>
                   </a:txBody>
                   <a:tcPr/>
@@ -15741,8 +15661,8 @@
           </a:graphicData>
         </a:graphic>
       </p:graphicFrame>
-      <mc:AlternateContent xmlns:mc="http://schemas.openxmlformats.org/markup-compatibility/2006">
-        <mc:Choice xmlns:a14="http://schemas.microsoft.com/office/drawing/2010/main" Requires="a14">
+      <mc:AlternateContent xmlns:mc="http://schemas.openxmlformats.org/markup-compatibility/2006" xmlns:a14="http://schemas.microsoft.com/office/drawing/2010/main">
+        <mc:Choice Requires="a14">
           <p:graphicFrame>
             <p:nvGraphicFramePr>
               <p:cNvPr id="2" name="Table 1"/>
@@ -16299,7 +16219,7 @@
             </a:graphic>
           </p:graphicFrame>
         </mc:Choice>
-        <mc:Fallback>
+        <mc:Fallback xmlns="">
           <p:graphicFrame>
             <p:nvGraphicFramePr>
               <p:cNvPr id="2" name="Table 1"/>
@@ -17427,9 +17347,7 @@
           <p:cNvGraphicFramePr>
             <a:graphicFrameLocks noGrp="1"/>
           </p:cNvGraphicFramePr>
-          <p:nvPr>
-            <p:extLst/>
-          </p:nvPr>
+          <p:nvPr/>
         </p:nvGraphicFramePr>
         <p:xfrm>
           <a:off x="0" y="1"/>
@@ -17486,7 +17404,11 @@
             <a:graphicFrameLocks noGrp="1"/>
           </p:cNvGraphicFramePr>
           <p:nvPr>
-            <p:extLst/>
+            <p:extLst>
+              <p:ext uri="{D42A27DB-BD31-4B8C-83A1-F6EECF244321}">
+                <p14:modId xmlns:p14="http://schemas.microsoft.com/office/powerpoint/2010/main" val="1628360078"/>
+              </p:ext>
+            </p:extLst>
           </p:nvPr>
         </p:nvGraphicFramePr>
         <p:xfrm>
@@ -17514,14 +17436,7 @@
                     <a:bodyPr/>
                     <a:lstStyle/>
                     <a:p>
-                      <a:r>
-                        <a:rPr lang="en-US" dirty="0"/>
-                        <a:t>Acronis @ </a:t>
-                      </a:r>
-                      <a:r>
-                        <a:rPr lang="ru-RU" dirty="0"/>
-                        <a:t>МФТИ</a:t>
-                      </a:r>
+                      <a:endParaRPr lang="ru-RU" dirty="0"/>
                     </a:p>
                   </a:txBody>
                   <a:tcPr/>
@@ -17536,8 +17451,8 @@
           </a:graphicData>
         </a:graphic>
       </p:graphicFrame>
-      <mc:AlternateContent xmlns:mc="http://schemas.openxmlformats.org/markup-compatibility/2006">
-        <mc:Choice xmlns:a14="http://schemas.microsoft.com/office/drawing/2010/main" Requires="a14">
+      <mc:AlternateContent xmlns:mc="http://schemas.openxmlformats.org/markup-compatibility/2006" xmlns:a14="http://schemas.microsoft.com/office/drawing/2010/main">
+        <mc:Choice Requires="a14">
           <p:graphicFrame>
             <p:nvGraphicFramePr>
               <p:cNvPr id="2" name="Table 1"/>
@@ -17982,7 +17897,7 @@
             </a:graphic>
           </p:graphicFrame>
         </mc:Choice>
-        <mc:Fallback>
+        <mc:Fallback xmlns="">
           <p:graphicFrame>
             <p:nvGraphicFramePr>
               <p:cNvPr id="2" name="Table 1"/>
@@ -19110,9 +19025,7 @@
           <p:cNvGraphicFramePr>
             <a:graphicFrameLocks noGrp="1"/>
           </p:cNvGraphicFramePr>
-          <p:nvPr>
-            <p:extLst/>
-          </p:nvPr>
+          <p:nvPr/>
         </p:nvGraphicFramePr>
         <p:xfrm>
           <a:off x="0" y="1"/>
@@ -19169,7 +19082,11 @@
             <a:graphicFrameLocks noGrp="1"/>
           </p:cNvGraphicFramePr>
           <p:nvPr>
-            <p:extLst/>
+            <p:extLst>
+              <p:ext uri="{D42A27DB-BD31-4B8C-83A1-F6EECF244321}">
+                <p14:modId xmlns:p14="http://schemas.microsoft.com/office/powerpoint/2010/main" val="2321972151"/>
+              </p:ext>
+            </p:extLst>
           </p:nvPr>
         </p:nvGraphicFramePr>
         <p:xfrm>
@@ -19197,14 +19114,7 @@
                     <a:bodyPr/>
                     <a:lstStyle/>
                     <a:p>
-                      <a:r>
-                        <a:rPr lang="en-US" dirty="0"/>
-                        <a:t>Acronis @ </a:t>
-                      </a:r>
-                      <a:r>
-                        <a:rPr lang="ru-RU" dirty="0"/>
-                        <a:t>МФТИ</a:t>
-                      </a:r>
+                      <a:endParaRPr lang="ru-RU" dirty="0"/>
                     </a:p>
                   </a:txBody>
                   <a:tcPr/>
@@ -19219,8 +19129,8 @@
           </a:graphicData>
         </a:graphic>
       </p:graphicFrame>
-      <mc:AlternateContent xmlns:mc="http://schemas.openxmlformats.org/markup-compatibility/2006">
-        <mc:Choice xmlns:a14="http://schemas.microsoft.com/office/drawing/2010/main" Requires="a14">
+      <mc:AlternateContent xmlns:mc="http://schemas.openxmlformats.org/markup-compatibility/2006" xmlns:a14="http://schemas.microsoft.com/office/drawing/2010/main">
+        <mc:Choice Requires="a14">
           <p:graphicFrame>
             <p:nvGraphicFramePr>
               <p:cNvPr id="2" name="Table 1"/>
@@ -19614,7 +19524,7 @@
             </a:graphic>
           </p:graphicFrame>
         </mc:Choice>
-        <mc:Fallback>
+        <mc:Fallback xmlns="">
           <p:graphicFrame>
             <p:nvGraphicFramePr>
               <p:cNvPr id="2" name="Table 1"/>
@@ -20736,9 +20646,7 @@
           <p:cNvGraphicFramePr>
             <a:graphicFrameLocks noGrp="1"/>
           </p:cNvGraphicFramePr>
-          <p:nvPr>
-            <p:extLst/>
-          </p:nvPr>
+          <p:nvPr/>
         </p:nvGraphicFramePr>
         <p:xfrm>
           <a:off x="0" y="1"/>
@@ -20795,7 +20703,11 @@
             <a:graphicFrameLocks noGrp="1"/>
           </p:cNvGraphicFramePr>
           <p:nvPr>
-            <p:extLst/>
+            <p:extLst>
+              <p:ext uri="{D42A27DB-BD31-4B8C-83A1-F6EECF244321}">
+                <p14:modId xmlns:p14="http://schemas.microsoft.com/office/powerpoint/2010/main" val="1416186740"/>
+              </p:ext>
+            </p:extLst>
           </p:nvPr>
         </p:nvGraphicFramePr>
         <p:xfrm>
@@ -20823,14 +20735,7 @@
                     <a:bodyPr/>
                     <a:lstStyle/>
                     <a:p>
-                      <a:r>
-                        <a:rPr lang="en-US" dirty="0"/>
-                        <a:t>Acronis @ </a:t>
-                      </a:r>
-                      <a:r>
-                        <a:rPr lang="ru-RU" dirty="0"/>
-                        <a:t>МФТИ</a:t>
-                      </a:r>
+                      <a:endParaRPr lang="ru-RU" dirty="0"/>
                     </a:p>
                   </a:txBody>
                   <a:tcPr/>
@@ -20845,8 +20750,8 @@
           </a:graphicData>
         </a:graphic>
       </p:graphicFrame>
-      <mc:AlternateContent xmlns:mc="http://schemas.openxmlformats.org/markup-compatibility/2006">
-        <mc:Choice xmlns:a14="http://schemas.microsoft.com/office/drawing/2010/main" Requires="a14">
+      <mc:AlternateContent xmlns:mc="http://schemas.openxmlformats.org/markup-compatibility/2006" xmlns:a14="http://schemas.microsoft.com/office/drawing/2010/main">
+        <mc:Choice Requires="a14">
           <p:graphicFrame>
             <p:nvGraphicFramePr>
               <p:cNvPr id="2" name="Table 1"/>
@@ -21193,7 +21098,7 @@
             </a:graphic>
           </p:graphicFrame>
         </mc:Choice>
-        <mc:Fallback>
+        <mc:Fallback xmlns="">
           <p:graphicFrame>
             <p:nvGraphicFramePr>
               <p:cNvPr id="2" name="Table 1"/>
@@ -22315,9 +22220,7 @@
           <p:cNvGraphicFramePr>
             <a:graphicFrameLocks noGrp="1"/>
           </p:cNvGraphicFramePr>
-          <p:nvPr>
-            <p:extLst/>
-          </p:nvPr>
+          <p:nvPr/>
         </p:nvGraphicFramePr>
         <p:xfrm>
           <a:off x="0" y="1"/>
@@ -22374,7 +22277,11 @@
             <a:graphicFrameLocks noGrp="1"/>
           </p:cNvGraphicFramePr>
           <p:nvPr>
-            <p:extLst/>
+            <p:extLst>
+              <p:ext uri="{D42A27DB-BD31-4B8C-83A1-F6EECF244321}">
+                <p14:modId xmlns:p14="http://schemas.microsoft.com/office/powerpoint/2010/main" val="3120718933"/>
+              </p:ext>
+            </p:extLst>
           </p:nvPr>
         </p:nvGraphicFramePr>
         <p:xfrm>
@@ -22402,14 +22309,7 @@
                     <a:bodyPr/>
                     <a:lstStyle/>
                     <a:p>
-                      <a:r>
-                        <a:rPr lang="en-US" dirty="0"/>
-                        <a:t>Acronis @ </a:t>
-                      </a:r>
-                      <a:r>
-                        <a:rPr lang="ru-RU" dirty="0"/>
-                        <a:t>МФТИ</a:t>
-                      </a:r>
+                      <a:endParaRPr lang="ru-RU" dirty="0"/>
                     </a:p>
                   </a:txBody>
                   <a:tcPr/>
@@ -22424,8 +22324,8 @@
           </a:graphicData>
         </a:graphic>
       </p:graphicFrame>
-      <mc:AlternateContent xmlns:mc="http://schemas.openxmlformats.org/markup-compatibility/2006">
-        <mc:Choice xmlns:a14="http://schemas.microsoft.com/office/drawing/2010/main" Requires="a14">
+      <mc:AlternateContent xmlns:mc="http://schemas.openxmlformats.org/markup-compatibility/2006" xmlns:a14="http://schemas.microsoft.com/office/drawing/2010/main">
+        <mc:Choice Requires="a14">
           <p:graphicFrame>
             <p:nvGraphicFramePr>
               <p:cNvPr id="2" name="Table 1"/>
@@ -22862,7 +22762,7 @@
             </a:graphic>
           </p:graphicFrame>
         </mc:Choice>
-        <mc:Fallback>
+        <mc:Fallback xmlns="">
           <p:graphicFrame>
             <p:nvGraphicFramePr>
               <p:cNvPr id="2" name="Table 1"/>
@@ -23984,9 +23884,7 @@
           <p:cNvGraphicFramePr>
             <a:graphicFrameLocks noGrp="1"/>
           </p:cNvGraphicFramePr>
-          <p:nvPr>
-            <p:extLst/>
-          </p:nvPr>
+          <p:nvPr/>
         </p:nvGraphicFramePr>
         <p:xfrm>
           <a:off x="0" y="1"/>
@@ -24043,7 +23941,11 @@
             <a:graphicFrameLocks noGrp="1"/>
           </p:cNvGraphicFramePr>
           <p:nvPr>
-            <p:extLst/>
+            <p:extLst>
+              <p:ext uri="{D42A27DB-BD31-4B8C-83A1-F6EECF244321}">
+                <p14:modId xmlns:p14="http://schemas.microsoft.com/office/powerpoint/2010/main" val="3872776051"/>
+              </p:ext>
+            </p:extLst>
           </p:nvPr>
         </p:nvGraphicFramePr>
         <p:xfrm>
@@ -24071,14 +23973,7 @@
                     <a:bodyPr/>
                     <a:lstStyle/>
                     <a:p>
-                      <a:r>
-                        <a:rPr lang="en-US" dirty="0"/>
-                        <a:t>Acronis @ </a:t>
-                      </a:r>
-                      <a:r>
-                        <a:rPr lang="ru-RU" dirty="0"/>
-                        <a:t>МФТИ</a:t>
-                      </a:r>
+                      <a:endParaRPr lang="ru-RU" dirty="0"/>
                     </a:p>
                   </a:txBody>
                   <a:tcPr/>
@@ -24093,8 +23988,8 @@
           </a:graphicData>
         </a:graphic>
       </p:graphicFrame>
-      <mc:AlternateContent xmlns:mc="http://schemas.openxmlformats.org/markup-compatibility/2006">
-        <mc:Choice xmlns:a14="http://schemas.microsoft.com/office/drawing/2010/main" Requires="a14">
+      <mc:AlternateContent xmlns:mc="http://schemas.openxmlformats.org/markup-compatibility/2006" xmlns:a14="http://schemas.microsoft.com/office/drawing/2010/main">
+        <mc:Choice Requires="a14">
           <p:graphicFrame>
             <p:nvGraphicFramePr>
               <p:cNvPr id="2" name="Table 1"/>
@@ -24597,7 +24492,7 @@
             </a:graphic>
           </p:graphicFrame>
         </mc:Choice>
-        <mc:Fallback>
+        <mc:Fallback xmlns="">
           <p:graphicFrame>
             <p:nvGraphicFramePr>
               <p:cNvPr id="2" name="Table 1"/>
@@ -25676,7 +25571,7 @@
 </file>
 
 <file path=ppt/slides/slide9.xml><?xml version="1.0" encoding="utf-8"?>
-<p:sld xmlns:a="http://schemas.openxmlformats.org/drawingml/2006/main" xmlns:r="http://schemas.openxmlformats.org/officeDocument/2006/relationships" xmlns:p="http://schemas.openxmlformats.org/presentationml/2006/main">
+<p:sld xmlns:a="http://schemas.openxmlformats.org/drawingml/2006/main" xmlns:r="http://schemas.openxmlformats.org/officeDocument/2006/relationships" xmlns:p="http://schemas.openxmlformats.org/presentationml/2006/main" show="0">
   <p:cSld>
     <p:spTree>
       <p:nvGrpSpPr>
@@ -25698,9 +25593,7 @@
           <p:cNvGraphicFramePr>
             <a:graphicFrameLocks noGrp="1"/>
           </p:cNvGraphicFramePr>
-          <p:nvPr>
-            <p:extLst/>
-          </p:nvPr>
+          <p:nvPr/>
         </p:nvGraphicFramePr>
         <p:xfrm>
           <a:off x="0" y="1"/>
@@ -25756,9 +25649,7 @@
           <p:cNvGraphicFramePr>
             <a:graphicFrameLocks noGrp="1"/>
           </p:cNvGraphicFramePr>
-          <p:nvPr>
-            <p:extLst/>
-          </p:nvPr>
+          <p:nvPr/>
         </p:nvGraphicFramePr>
         <p:xfrm>
           <a:off x="0" y="6532604"/>
@@ -25815,9 +25706,7 @@
               <p:cNvGraphicFramePr>
                 <a:graphicFrameLocks noGrp="1"/>
               </p:cNvGraphicFramePr>
-              <p:nvPr>
-                <p:extLst/>
-              </p:nvPr>
+              <p:nvPr/>
             </p:nvGraphicFramePr>
             <p:xfrm>
               <a:off x="0" y="365761"/>
